--- a/youtube_uploading_tool.pptx
+++ b/youtube_uploading_tool.pptx
@@ -1177,6 +1177,13 @@
         </dgm:presLayoutVars>
       </dgm:prSet>
       <dgm:spPr/>
+      <dgm:t>
+        <a:bodyPr/>
+        <a:lstStyle/>
+        <a:p>
+          <a:endParaRPr lang="en-US"/>
+        </a:p>
+      </dgm:t>
     </dgm:pt>
     <dgm:pt modelId="{E57A5187-2EEF-448B-BD6D-944466871EE3}" type="pres">
       <dgm:prSet presAssocID="{E41982E9-3947-45C2-B476-8AD73E6CDA5D}" presName="node" presStyleLbl="node1" presStyleIdx="0" presStyleCnt="6">
@@ -1196,10 +1203,24 @@
     <dgm:pt modelId="{8B2668C8-33C4-4DAE-8B06-874B3F0BAD49}" type="pres">
       <dgm:prSet presAssocID="{48EFE8A3-D3D3-460B-A4D1-940F812D82E6}" presName="sibTrans" presStyleLbl="sibTrans2D1" presStyleIdx="0" presStyleCnt="5"/>
       <dgm:spPr/>
+      <dgm:t>
+        <a:bodyPr/>
+        <a:lstStyle/>
+        <a:p>
+          <a:endParaRPr lang="en-US"/>
+        </a:p>
+      </dgm:t>
     </dgm:pt>
     <dgm:pt modelId="{3A74E5F9-30C6-4E34-8F5D-E71DE7578A37}" type="pres">
       <dgm:prSet presAssocID="{48EFE8A3-D3D3-460B-A4D1-940F812D82E6}" presName="connectorText" presStyleLbl="sibTrans2D1" presStyleIdx="0" presStyleCnt="5"/>
       <dgm:spPr/>
+      <dgm:t>
+        <a:bodyPr/>
+        <a:lstStyle/>
+        <a:p>
+          <a:endParaRPr lang="en-US"/>
+        </a:p>
+      </dgm:t>
     </dgm:pt>
     <dgm:pt modelId="{5CFE756C-1273-4794-B0B7-6685C4F14472}" type="pres">
       <dgm:prSet presAssocID="{8C08A9C0-9656-4896-A1FD-BDAAC294D74F}" presName="node" presStyleLbl="node1" presStyleIdx="1" presStyleCnt="6">
@@ -1219,10 +1240,24 @@
     <dgm:pt modelId="{144DDE99-E320-402B-9A4E-86D9B57563A0}" type="pres">
       <dgm:prSet presAssocID="{9D47FBB6-A887-4550-9590-86DACF771E66}" presName="sibTrans" presStyleLbl="sibTrans2D1" presStyleIdx="1" presStyleCnt="5"/>
       <dgm:spPr/>
+      <dgm:t>
+        <a:bodyPr/>
+        <a:lstStyle/>
+        <a:p>
+          <a:endParaRPr lang="en-US"/>
+        </a:p>
+      </dgm:t>
     </dgm:pt>
     <dgm:pt modelId="{197FC221-3521-44A8-B34C-F3F595F7A8D7}" type="pres">
       <dgm:prSet presAssocID="{9D47FBB6-A887-4550-9590-86DACF771E66}" presName="connectorText" presStyleLbl="sibTrans2D1" presStyleIdx="1" presStyleCnt="5"/>
       <dgm:spPr/>
+      <dgm:t>
+        <a:bodyPr/>
+        <a:lstStyle/>
+        <a:p>
+          <a:endParaRPr lang="en-US"/>
+        </a:p>
+      </dgm:t>
     </dgm:pt>
     <dgm:pt modelId="{5D3FDD78-FDCE-4F98-AAE6-41938FD0CADE}" type="pres">
       <dgm:prSet presAssocID="{2101A6B5-C0C1-43B6-A078-1D2EC2799895}" presName="node" presStyleLbl="node1" presStyleIdx="2" presStyleCnt="6">
@@ -1242,10 +1277,24 @@
     <dgm:pt modelId="{C43588BE-6041-42F4-8149-AF59609EDF7F}" type="pres">
       <dgm:prSet presAssocID="{0D3BEF20-7B46-413E-B049-6018ECB932FA}" presName="sibTrans" presStyleLbl="sibTrans2D1" presStyleIdx="2" presStyleCnt="5"/>
       <dgm:spPr/>
+      <dgm:t>
+        <a:bodyPr/>
+        <a:lstStyle/>
+        <a:p>
+          <a:endParaRPr lang="en-US"/>
+        </a:p>
+      </dgm:t>
     </dgm:pt>
     <dgm:pt modelId="{7AA31A21-E7F4-4287-ADD5-C985CE083491}" type="pres">
       <dgm:prSet presAssocID="{0D3BEF20-7B46-413E-B049-6018ECB932FA}" presName="connectorText" presStyleLbl="sibTrans2D1" presStyleIdx="2" presStyleCnt="5"/>
       <dgm:spPr/>
+      <dgm:t>
+        <a:bodyPr/>
+        <a:lstStyle/>
+        <a:p>
+          <a:endParaRPr lang="en-US"/>
+        </a:p>
+      </dgm:t>
     </dgm:pt>
     <dgm:pt modelId="{92F0D857-A72C-401A-A0E2-2C715F5C766A}" type="pres">
       <dgm:prSet presAssocID="{8BD4328A-2714-44F5-8D6A-7BA575697DA1}" presName="node" presStyleLbl="node1" presStyleIdx="3" presStyleCnt="6">
@@ -1265,10 +1314,24 @@
     <dgm:pt modelId="{B5BD19FF-5E50-4C7F-B31B-5B23600DC95F}" type="pres">
       <dgm:prSet presAssocID="{71D15C8A-1CA4-4D80-B5C3-8CD2CBDD1776}" presName="sibTrans" presStyleLbl="sibTrans2D1" presStyleIdx="3" presStyleCnt="5"/>
       <dgm:spPr/>
+      <dgm:t>
+        <a:bodyPr/>
+        <a:lstStyle/>
+        <a:p>
+          <a:endParaRPr lang="en-US"/>
+        </a:p>
+      </dgm:t>
     </dgm:pt>
     <dgm:pt modelId="{AABB74FC-36F6-4BA3-BB83-7C5BB2334239}" type="pres">
       <dgm:prSet presAssocID="{71D15C8A-1CA4-4D80-B5C3-8CD2CBDD1776}" presName="connectorText" presStyleLbl="sibTrans2D1" presStyleIdx="3" presStyleCnt="5"/>
       <dgm:spPr/>
+      <dgm:t>
+        <a:bodyPr/>
+        <a:lstStyle/>
+        <a:p>
+          <a:endParaRPr lang="en-US"/>
+        </a:p>
+      </dgm:t>
     </dgm:pt>
     <dgm:pt modelId="{696E5419-A878-4916-B5B7-59F5256EB9EB}" type="pres">
       <dgm:prSet presAssocID="{16528798-8300-41F3-8295-9BC576A7BD54}" presName="node" presStyleLbl="node1" presStyleIdx="4" presStyleCnt="6">
@@ -1288,10 +1351,24 @@
     <dgm:pt modelId="{9A9B550A-CC2E-43D7-B4B8-839B59240166}" type="pres">
       <dgm:prSet presAssocID="{BBD20EA4-C03D-4A11-BFDA-517DA392191E}" presName="sibTrans" presStyleLbl="sibTrans2D1" presStyleIdx="4" presStyleCnt="5"/>
       <dgm:spPr/>
+      <dgm:t>
+        <a:bodyPr/>
+        <a:lstStyle/>
+        <a:p>
+          <a:endParaRPr lang="en-US"/>
+        </a:p>
+      </dgm:t>
     </dgm:pt>
     <dgm:pt modelId="{77ED690F-BEFD-4FA5-ACD0-7599C70E9B94}" type="pres">
       <dgm:prSet presAssocID="{BBD20EA4-C03D-4A11-BFDA-517DA392191E}" presName="connectorText" presStyleLbl="sibTrans2D1" presStyleIdx="4" presStyleCnt="5"/>
       <dgm:spPr/>
+      <dgm:t>
+        <a:bodyPr/>
+        <a:lstStyle/>
+        <a:p>
+          <a:endParaRPr lang="en-US"/>
+        </a:p>
+      </dgm:t>
     </dgm:pt>
     <dgm:pt modelId="{D5531DDF-C2A2-4E5C-B7A4-E4CE6FF4C4C7}" type="pres">
       <dgm:prSet presAssocID="{448F561B-2A8A-4624-919F-E20C1F2A008E}" presName="node" presStyleLbl="node1" presStyleIdx="5" presStyleCnt="6">
@@ -1312,23 +1389,23 @@
   <dgm:cxnLst>
     <dgm:cxn modelId="{51F58BCC-428E-4B59-AE99-CD1287389ADE}" type="presOf" srcId="{BBD20EA4-C03D-4A11-BFDA-517DA392191E}" destId="{9A9B550A-CC2E-43D7-B4B8-839B59240166}" srcOrd="0" destOrd="0" presId="urn:microsoft.com/office/officeart/2005/8/layout/process5"/>
     <dgm:cxn modelId="{E1E6A7E6-DEB3-4ADB-BA90-AEB872214C74}" type="presOf" srcId="{448F561B-2A8A-4624-919F-E20C1F2A008E}" destId="{D5531DDF-C2A2-4E5C-B7A4-E4CE6FF4C4C7}" srcOrd="0" destOrd="0" presId="urn:microsoft.com/office/officeart/2005/8/layout/process5"/>
+    <dgm:cxn modelId="{95E66B6A-2042-4D9B-8AFA-7F97FE6ABD35}" srcId="{D699EF8D-F75A-4790-AE3A-D435F5A51C2B}" destId="{448F561B-2A8A-4624-919F-E20C1F2A008E}" srcOrd="5" destOrd="0" parTransId="{35C884C6-C977-4B31-A0E2-C79D32882188}" sibTransId="{0A8059E4-DD49-4512-A6DC-95341C3D496C}"/>
     <dgm:cxn modelId="{41F64977-585B-469E-942F-183EBCC0C669}" type="presOf" srcId="{8C08A9C0-9656-4896-A1FD-BDAAC294D74F}" destId="{5CFE756C-1273-4794-B0B7-6685C4F14472}" srcOrd="0" destOrd="0" presId="urn:microsoft.com/office/officeart/2005/8/layout/process5"/>
-    <dgm:cxn modelId="{95E66B6A-2042-4D9B-8AFA-7F97FE6ABD35}" srcId="{D699EF8D-F75A-4790-AE3A-D435F5A51C2B}" destId="{448F561B-2A8A-4624-919F-E20C1F2A008E}" srcOrd="5" destOrd="0" parTransId="{35C884C6-C977-4B31-A0E2-C79D32882188}" sibTransId="{0A8059E4-DD49-4512-A6DC-95341C3D496C}"/>
     <dgm:cxn modelId="{2E63E3B0-D950-41F7-B33F-83CD038FDBFF}" type="presOf" srcId="{71D15C8A-1CA4-4D80-B5C3-8CD2CBDD1776}" destId="{B5BD19FF-5E50-4C7F-B31B-5B23600DC95F}" srcOrd="0" destOrd="0" presId="urn:microsoft.com/office/officeart/2005/8/layout/process5"/>
     <dgm:cxn modelId="{678E7010-B592-4732-933E-94744AECA648}" srcId="{D699EF8D-F75A-4790-AE3A-D435F5A51C2B}" destId="{E41982E9-3947-45C2-B476-8AD73E6CDA5D}" srcOrd="0" destOrd="0" parTransId="{CC183268-F70B-415F-947F-FDF65239E18D}" sibTransId="{48EFE8A3-D3D3-460B-A4D1-940F812D82E6}"/>
     <dgm:cxn modelId="{AC73E135-F9DB-4BD2-8B62-2DE3A883AB76}" type="presOf" srcId="{9D47FBB6-A887-4550-9590-86DACF771E66}" destId="{144DDE99-E320-402B-9A4E-86D9B57563A0}" srcOrd="0" destOrd="0" presId="urn:microsoft.com/office/officeart/2005/8/layout/process5"/>
+    <dgm:cxn modelId="{4E4B6621-81CE-406A-B731-79851D0EE957}" type="presOf" srcId="{BBD20EA4-C03D-4A11-BFDA-517DA392191E}" destId="{77ED690F-BEFD-4FA5-ACD0-7599C70E9B94}" srcOrd="1" destOrd="0" presId="urn:microsoft.com/office/officeart/2005/8/layout/process5"/>
     <dgm:cxn modelId="{7CBFF3DB-D3A1-46DE-8E67-BE188ADA4469}" srcId="{D699EF8D-F75A-4790-AE3A-D435F5A51C2B}" destId="{8BD4328A-2714-44F5-8D6A-7BA575697DA1}" srcOrd="3" destOrd="0" parTransId="{765A7E8D-47B5-470E-B790-37DB1216DD11}" sibTransId="{71D15C8A-1CA4-4D80-B5C3-8CD2CBDD1776}"/>
-    <dgm:cxn modelId="{4E4B6621-81CE-406A-B731-79851D0EE957}" type="presOf" srcId="{BBD20EA4-C03D-4A11-BFDA-517DA392191E}" destId="{77ED690F-BEFD-4FA5-ACD0-7599C70E9B94}" srcOrd="1" destOrd="0" presId="urn:microsoft.com/office/officeart/2005/8/layout/process5"/>
     <dgm:cxn modelId="{6323E4E6-190E-4E9B-8136-DB96B5AC99F9}" type="presOf" srcId="{8BD4328A-2714-44F5-8D6A-7BA575697DA1}" destId="{92F0D857-A72C-401A-A0E2-2C715F5C766A}" srcOrd="0" destOrd="0" presId="urn:microsoft.com/office/officeart/2005/8/layout/process5"/>
+    <dgm:cxn modelId="{ED865BEB-ED97-4C05-9EF1-D709BC9A2924}" type="presOf" srcId="{9D47FBB6-A887-4550-9590-86DACF771E66}" destId="{197FC221-3521-44A8-B34C-F3F595F7A8D7}" srcOrd="1" destOrd="0" presId="urn:microsoft.com/office/officeart/2005/8/layout/process5"/>
+    <dgm:cxn modelId="{CB172DE5-5123-42D3-9DF9-BB80D8B38DB8}" type="presOf" srcId="{16528798-8300-41F3-8295-9BC576A7BD54}" destId="{696E5419-A878-4916-B5B7-59F5256EB9EB}" srcOrd="0" destOrd="0" presId="urn:microsoft.com/office/officeart/2005/8/layout/process5"/>
+    <dgm:cxn modelId="{338625BB-830B-4131-9F90-B383E1DEF3CC}" type="presOf" srcId="{D699EF8D-F75A-4790-AE3A-D435F5A51C2B}" destId="{6B7ED168-D438-4621-BFF6-D632C103F341}" srcOrd="0" destOrd="0" presId="urn:microsoft.com/office/officeart/2005/8/layout/process5"/>
     <dgm:cxn modelId="{9E171EE2-84CD-4EC8-B929-048C01837F49}" type="presOf" srcId="{E41982E9-3947-45C2-B476-8AD73E6CDA5D}" destId="{E57A5187-2EEF-448B-BD6D-944466871EE3}" srcOrd="0" destOrd="0" presId="urn:microsoft.com/office/officeart/2005/8/layout/process5"/>
-    <dgm:cxn modelId="{338625BB-830B-4131-9F90-B383E1DEF3CC}" type="presOf" srcId="{D699EF8D-F75A-4790-AE3A-D435F5A51C2B}" destId="{6B7ED168-D438-4621-BFF6-D632C103F341}" srcOrd="0" destOrd="0" presId="urn:microsoft.com/office/officeart/2005/8/layout/process5"/>
-    <dgm:cxn modelId="{CB172DE5-5123-42D3-9DF9-BB80D8B38DB8}" type="presOf" srcId="{16528798-8300-41F3-8295-9BC576A7BD54}" destId="{696E5419-A878-4916-B5B7-59F5256EB9EB}" srcOrd="0" destOrd="0" presId="urn:microsoft.com/office/officeart/2005/8/layout/process5"/>
-    <dgm:cxn modelId="{ED865BEB-ED97-4C05-9EF1-D709BC9A2924}" type="presOf" srcId="{9D47FBB6-A887-4550-9590-86DACF771E66}" destId="{197FC221-3521-44A8-B34C-F3F595F7A8D7}" srcOrd="1" destOrd="0" presId="urn:microsoft.com/office/officeart/2005/8/layout/process5"/>
     <dgm:cxn modelId="{4C7DBC7F-7DF1-4B01-9278-08F064FCB080}" type="presOf" srcId="{0D3BEF20-7B46-413E-B049-6018ECB932FA}" destId="{C43588BE-6041-42F4-8149-AF59609EDF7F}" srcOrd="0" destOrd="0" presId="urn:microsoft.com/office/officeart/2005/8/layout/process5"/>
     <dgm:cxn modelId="{D0B30806-29B1-4465-8DA3-0EE88F7CD35F}" type="presOf" srcId="{71D15C8A-1CA4-4D80-B5C3-8CD2CBDD1776}" destId="{AABB74FC-36F6-4BA3-BB83-7C5BB2334239}" srcOrd="1" destOrd="0" presId="urn:microsoft.com/office/officeart/2005/8/layout/process5"/>
     <dgm:cxn modelId="{76ACA7EC-CAD1-4450-8B3A-4909F6193CAB}" srcId="{D699EF8D-F75A-4790-AE3A-D435F5A51C2B}" destId="{8C08A9C0-9656-4896-A1FD-BDAAC294D74F}" srcOrd="1" destOrd="0" parTransId="{E6B3EC70-B06F-4BDA-B312-6CAA02833F70}" sibTransId="{9D47FBB6-A887-4550-9590-86DACF771E66}"/>
+    <dgm:cxn modelId="{229B6B9D-F6DC-4B33-ADAB-AB34F986EC03}" srcId="{D699EF8D-F75A-4790-AE3A-D435F5A51C2B}" destId="{16528798-8300-41F3-8295-9BC576A7BD54}" srcOrd="4" destOrd="0" parTransId="{F57FA03A-E13C-47AF-A210-BCC1E26D33D0}" sibTransId="{BBD20EA4-C03D-4A11-BFDA-517DA392191E}"/>
     <dgm:cxn modelId="{AC3D58B4-B532-4D2E-8973-040844A54D26}" type="presOf" srcId="{48EFE8A3-D3D3-460B-A4D1-940F812D82E6}" destId="{8B2668C8-33C4-4DAE-8B06-874B3F0BAD49}" srcOrd="0" destOrd="0" presId="urn:microsoft.com/office/officeart/2005/8/layout/process5"/>
-    <dgm:cxn modelId="{229B6B9D-F6DC-4B33-ADAB-AB34F986EC03}" srcId="{D699EF8D-F75A-4790-AE3A-D435F5A51C2B}" destId="{16528798-8300-41F3-8295-9BC576A7BD54}" srcOrd="4" destOrd="0" parTransId="{F57FA03A-E13C-47AF-A210-BCC1E26D33D0}" sibTransId="{BBD20EA4-C03D-4A11-BFDA-517DA392191E}"/>
     <dgm:cxn modelId="{CF1AB998-3901-461B-AA66-20EE0150400A}" type="presOf" srcId="{48EFE8A3-D3D3-460B-A4D1-940F812D82E6}" destId="{3A74E5F9-30C6-4E34-8F5D-E71DE7578A37}" srcOrd="1" destOrd="0" presId="urn:microsoft.com/office/officeart/2005/8/layout/process5"/>
     <dgm:cxn modelId="{F1B2B315-A6C9-42A9-9697-076EB30DEC0F}" srcId="{D699EF8D-F75A-4790-AE3A-D435F5A51C2B}" destId="{2101A6B5-C0C1-43B6-A078-1D2EC2799895}" srcOrd="2" destOrd="0" parTransId="{3053E32C-C9CA-48AA-A1F9-9CF94266AF2E}" sibTransId="{0D3BEF20-7B46-413E-B049-6018ECB932FA}"/>
     <dgm:cxn modelId="{11005558-D7A2-4897-B5B2-391BF2A74F24}" type="presOf" srcId="{2101A6B5-C0C1-43B6-A078-1D2EC2799895}" destId="{5D3FDD78-FDCE-4F98-AAE6-41938FD0CADE}" srcOrd="0" destOrd="0" presId="urn:microsoft.com/office/officeart/2005/8/layout/process5"/>
@@ -3823,7 +3900,7 @@
           <a:p>
             <a:fld id="{38A82C05-60B2-483E-8A85-7FFE6F4B2F7D}" type="datetimeFigureOut">
               <a:rPr lang="en-US" smtClean="0"/>
-              <a:t>11/3/2017</a:t>
+              <a:t>11/4/2017</a:t>
             </a:fld>
             <a:endParaRPr lang="en-US"/>
           </a:p>
@@ -4222,7 +4299,7 @@
           <a:p>
             <a:fld id="{66488140-7E06-46F5-A441-6E15F503D7C5}" type="datetimeFigureOut">
               <a:rPr lang="en-US" smtClean="0"/>
-              <a:t>11/3/2017</a:t>
+              <a:t>11/4/2017</a:t>
             </a:fld>
             <a:endParaRPr lang="en-US"/>
           </a:p>
@@ -4392,7 +4469,7 @@
           <a:p>
             <a:fld id="{66488140-7E06-46F5-A441-6E15F503D7C5}" type="datetimeFigureOut">
               <a:rPr lang="en-US" smtClean="0"/>
-              <a:t>11/3/2017</a:t>
+              <a:t>11/4/2017</a:t>
             </a:fld>
             <a:endParaRPr lang="en-US"/>
           </a:p>
@@ -4572,7 +4649,7 @@
           <a:p>
             <a:fld id="{66488140-7E06-46F5-A441-6E15F503D7C5}" type="datetimeFigureOut">
               <a:rPr lang="en-US" smtClean="0"/>
-              <a:t>11/3/2017</a:t>
+              <a:t>11/4/2017</a:t>
             </a:fld>
             <a:endParaRPr lang="en-US"/>
           </a:p>
@@ -4742,7 +4819,7 @@
           <a:p>
             <a:fld id="{66488140-7E06-46F5-A441-6E15F503D7C5}" type="datetimeFigureOut">
               <a:rPr lang="en-US" smtClean="0"/>
-              <a:t>11/3/2017</a:t>
+              <a:t>11/4/2017</a:t>
             </a:fld>
             <a:endParaRPr lang="en-US"/>
           </a:p>
@@ -4986,7 +5063,7 @@
           <a:p>
             <a:fld id="{66488140-7E06-46F5-A441-6E15F503D7C5}" type="datetimeFigureOut">
               <a:rPr lang="en-US" smtClean="0"/>
-              <a:t>11/3/2017</a:t>
+              <a:t>11/4/2017</a:t>
             </a:fld>
             <a:endParaRPr lang="en-US"/>
           </a:p>
@@ -5218,7 +5295,7 @@
           <a:p>
             <a:fld id="{66488140-7E06-46F5-A441-6E15F503D7C5}" type="datetimeFigureOut">
               <a:rPr lang="en-US" smtClean="0"/>
-              <a:t>11/3/2017</a:t>
+              <a:t>11/4/2017</a:t>
             </a:fld>
             <a:endParaRPr lang="en-US"/>
           </a:p>
@@ -5585,7 +5662,7 @@
           <a:p>
             <a:fld id="{66488140-7E06-46F5-A441-6E15F503D7C5}" type="datetimeFigureOut">
               <a:rPr lang="en-US" smtClean="0"/>
-              <a:t>11/3/2017</a:t>
+              <a:t>11/4/2017</a:t>
             </a:fld>
             <a:endParaRPr lang="en-US"/>
           </a:p>
@@ -5703,7 +5780,7 @@
           <a:p>
             <a:fld id="{66488140-7E06-46F5-A441-6E15F503D7C5}" type="datetimeFigureOut">
               <a:rPr lang="en-US" smtClean="0"/>
-              <a:t>11/3/2017</a:t>
+              <a:t>11/4/2017</a:t>
             </a:fld>
             <a:endParaRPr lang="en-US"/>
           </a:p>
@@ -5798,7 +5875,7 @@
           <a:p>
             <a:fld id="{66488140-7E06-46F5-A441-6E15F503D7C5}" type="datetimeFigureOut">
               <a:rPr lang="en-US" smtClean="0"/>
-              <a:t>11/3/2017</a:t>
+              <a:t>11/4/2017</a:t>
             </a:fld>
             <a:endParaRPr lang="en-US"/>
           </a:p>
@@ -6075,7 +6152,7 @@
           <a:p>
             <a:fld id="{66488140-7E06-46F5-A441-6E15F503D7C5}" type="datetimeFigureOut">
               <a:rPr lang="en-US" smtClean="0"/>
-              <a:t>11/3/2017</a:t>
+              <a:t>11/4/2017</a:t>
             </a:fld>
             <a:endParaRPr lang="en-US"/>
           </a:p>
@@ -6332,7 +6409,7 @@
           <a:p>
             <a:fld id="{66488140-7E06-46F5-A441-6E15F503D7C5}" type="datetimeFigureOut">
               <a:rPr lang="en-US" smtClean="0"/>
-              <a:t>11/3/2017</a:t>
+              <a:t>11/4/2017</a:t>
             </a:fld>
             <a:endParaRPr lang="en-US"/>
           </a:p>
@@ -6545,7 +6622,7 @@
           <a:p>
             <a:fld id="{66488140-7E06-46F5-A441-6E15F503D7C5}" type="datetimeFigureOut">
               <a:rPr lang="en-US" smtClean="0"/>
-              <a:t>11/3/2017</a:t>
+              <a:t>11/4/2017</a:t>
             </a:fld>
             <a:endParaRPr lang="en-US"/>
           </a:p>
@@ -10480,8 +10557,13 @@
           <a:p>
             <a:r>
               <a:rPr lang="en-US" sz="3600" dirty="0" smtClean="0"/>
-              <a:t>Tool summary</a:t>
-            </a:r>
+              <a:t>Tool </a:t>
+            </a:r>
+            <a:r>
+              <a:rPr lang="en-US" sz="3600" dirty="0" smtClean="0"/>
+              <a:t>overview</a:t>
+            </a:r>
+            <a:endParaRPr lang="en-US" sz="3600" dirty="0" smtClean="0"/>
           </a:p>
           <a:p>
             <a:r>
@@ -11324,15 +11406,7 @@
           <a:p>
             <a:r>
               <a:rPr lang="en-US" dirty="0" smtClean="0"/>
-              <a:t>List of </a:t>
-            </a:r>
-            <a:r>
-              <a:rPr lang="en-US" dirty="0" smtClean="0"/>
-              <a:t>YouTube </a:t>
-            </a:r>
-            <a:r>
-              <a:rPr lang="en-US" dirty="0" smtClean="0"/>
-              <a:t>video are in </a:t>
+              <a:t>List of YouTube video are in </a:t>
             </a:r>
             <a:endParaRPr lang="en-US" dirty="0"/>
           </a:p>
@@ -13096,8 +13170,12 @@
               <a:buNone/>
             </a:pPr>
             <a:r>
-              <a:rPr lang="en-US" sz="5400" dirty="0" smtClean="0"/>
-              <a:t>Tool Summary</a:t>
+              <a:rPr lang="en-US" sz="5400" smtClean="0"/>
+              <a:t>Tool </a:t>
+            </a:r>
+            <a:r>
+              <a:rPr lang="en-US" sz="5400" smtClean="0"/>
+              <a:t>overview</a:t>
             </a:r>
             <a:endParaRPr lang="en-US" sz="5400" dirty="0"/>
           </a:p>

--- a/youtube_uploading_tool.pptx
+++ b/youtube_uploading_tool.pptx
@@ -1404,8 +1404,8 @@
     <dgm:cxn modelId="{4C7DBC7F-7DF1-4B01-9278-08F064FCB080}" type="presOf" srcId="{0D3BEF20-7B46-413E-B049-6018ECB932FA}" destId="{C43588BE-6041-42F4-8149-AF59609EDF7F}" srcOrd="0" destOrd="0" presId="urn:microsoft.com/office/officeart/2005/8/layout/process5"/>
     <dgm:cxn modelId="{D0B30806-29B1-4465-8DA3-0EE88F7CD35F}" type="presOf" srcId="{71D15C8A-1CA4-4D80-B5C3-8CD2CBDD1776}" destId="{AABB74FC-36F6-4BA3-BB83-7C5BB2334239}" srcOrd="1" destOrd="0" presId="urn:microsoft.com/office/officeart/2005/8/layout/process5"/>
     <dgm:cxn modelId="{76ACA7EC-CAD1-4450-8B3A-4909F6193CAB}" srcId="{D699EF8D-F75A-4790-AE3A-D435F5A51C2B}" destId="{8C08A9C0-9656-4896-A1FD-BDAAC294D74F}" srcOrd="1" destOrd="0" parTransId="{E6B3EC70-B06F-4BDA-B312-6CAA02833F70}" sibTransId="{9D47FBB6-A887-4550-9590-86DACF771E66}"/>
+    <dgm:cxn modelId="{AC3D58B4-B532-4D2E-8973-040844A54D26}" type="presOf" srcId="{48EFE8A3-D3D3-460B-A4D1-940F812D82E6}" destId="{8B2668C8-33C4-4DAE-8B06-874B3F0BAD49}" srcOrd="0" destOrd="0" presId="urn:microsoft.com/office/officeart/2005/8/layout/process5"/>
     <dgm:cxn modelId="{229B6B9D-F6DC-4B33-ADAB-AB34F986EC03}" srcId="{D699EF8D-F75A-4790-AE3A-D435F5A51C2B}" destId="{16528798-8300-41F3-8295-9BC576A7BD54}" srcOrd="4" destOrd="0" parTransId="{F57FA03A-E13C-47AF-A210-BCC1E26D33D0}" sibTransId="{BBD20EA4-C03D-4A11-BFDA-517DA392191E}"/>
-    <dgm:cxn modelId="{AC3D58B4-B532-4D2E-8973-040844A54D26}" type="presOf" srcId="{48EFE8A3-D3D3-460B-A4D1-940F812D82E6}" destId="{8B2668C8-33C4-4DAE-8B06-874B3F0BAD49}" srcOrd="0" destOrd="0" presId="urn:microsoft.com/office/officeart/2005/8/layout/process5"/>
     <dgm:cxn modelId="{CF1AB998-3901-461B-AA66-20EE0150400A}" type="presOf" srcId="{48EFE8A3-D3D3-460B-A4D1-940F812D82E6}" destId="{3A74E5F9-30C6-4E34-8F5D-E71DE7578A37}" srcOrd="1" destOrd="0" presId="urn:microsoft.com/office/officeart/2005/8/layout/process5"/>
     <dgm:cxn modelId="{F1B2B315-A6C9-42A9-9697-076EB30DEC0F}" srcId="{D699EF8D-F75A-4790-AE3A-D435F5A51C2B}" destId="{2101A6B5-C0C1-43B6-A078-1D2EC2799895}" srcOrd="2" destOrd="0" parTransId="{3053E32C-C9CA-48AA-A1F9-9CF94266AF2E}" sibTransId="{0D3BEF20-7B46-413E-B049-6018ECB932FA}"/>
     <dgm:cxn modelId="{11005558-D7A2-4897-B5B2-391BF2A74F24}" type="presOf" srcId="{2101A6B5-C0C1-43B6-A078-1D2EC2799895}" destId="{5D3FDD78-FDCE-4F98-AAE6-41938FD0CADE}" srcOrd="0" destOrd="0" presId="urn:microsoft.com/office/officeart/2005/8/layout/process5"/>
@@ -10557,13 +10557,8 @@
           <a:p>
             <a:r>
               <a:rPr lang="en-US" sz="3600" dirty="0" smtClean="0"/>
-              <a:t>Tool </a:t>
-            </a:r>
-            <a:r>
-              <a:rPr lang="en-US" sz="3600" dirty="0" smtClean="0"/>
-              <a:t>overview</a:t>
-            </a:r>
-            <a:endParaRPr lang="en-US" sz="3600" dirty="0" smtClean="0"/>
+              <a:t>Tool overview</a:t>
+            </a:r>
           </a:p>
           <a:p>
             <a:r>
@@ -13171,11 +13166,7 @@
             </a:pPr>
             <a:r>
               <a:rPr lang="en-US" sz="5400" smtClean="0"/>
-              <a:t>Tool </a:t>
-            </a:r>
-            <a:r>
-              <a:rPr lang="en-US" sz="5400" smtClean="0"/>
-              <a:t>overview</a:t>
+              <a:t>Tool overview</a:t>
             </a:r>
             <a:endParaRPr lang="en-US" sz="5400" dirty="0"/>
           </a:p>
@@ -15007,7 +14998,7 @@
         </p:blipFill>
         <p:spPr bwMode="auto">
           <a:xfrm>
-            <a:off x="4071755" y="1743957"/>
+            <a:off x="4071755" y="1364399"/>
             <a:ext cx="2163828" cy="1217154"/>
           </a:xfrm>
           <a:prstGeom prst="rect">
@@ -15496,8 +15487,8 @@
         </p:nvCxnSpPr>
         <p:spPr>
           <a:xfrm flipV="1">
-            <a:off x="3518991" y="2352534"/>
-            <a:ext cx="552764" cy="3677803"/>
+            <a:off x="3518991" y="1972976"/>
+            <a:ext cx="552764" cy="4057361"/>
           </a:xfrm>
           <a:prstGeom prst="bentConnector3">
             <a:avLst/>
@@ -15532,12 +15523,12 @@
         </p:nvCxnSpPr>
         <p:spPr>
           <a:xfrm flipV="1">
-            <a:off x="3421033" y="2352534"/>
-            <a:ext cx="650722" cy="1937858"/>
+            <a:off x="3421033" y="1972976"/>
+            <a:ext cx="650722" cy="2317416"/>
           </a:xfrm>
           <a:prstGeom prst="bentConnector3">
             <a:avLst>
-              <a:gd name="adj1" fmla="val 58186"/>
+              <a:gd name="adj1" fmla="val 56628"/>
             </a:avLst>
           </a:prstGeom>
           <a:ln w="38100">
@@ -15570,12 +15561,12 @@
         </p:nvCxnSpPr>
         <p:spPr>
           <a:xfrm flipV="1">
-            <a:off x="3409657" y="2352534"/>
-            <a:ext cx="662098" cy="2886"/>
+            <a:off x="3409657" y="1972976"/>
+            <a:ext cx="662098" cy="382444"/>
           </a:xfrm>
           <a:prstGeom prst="bentConnector3">
             <a:avLst>
-              <a:gd name="adj1" fmla="val 50000"/>
+              <a:gd name="adj1" fmla="val 57817"/>
             </a:avLst>
           </a:prstGeom>
           <a:ln w="38100">
@@ -15597,24 +15588,160 @@
           </a:fontRef>
         </p:style>
       </p:cxnSp>
+      <p:sp>
+        <p:nvSpPr>
+          <p:cNvPr id="57" name="TextBox 56"/>
+          <p:cNvSpPr txBox="1"/>
+          <p:nvPr/>
+        </p:nvSpPr>
+        <p:spPr>
+          <a:xfrm flipH="1">
+            <a:off x="3821501" y="2648356"/>
+            <a:ext cx="3178815" cy="1200329"/>
+          </a:xfrm>
+          <a:prstGeom prst="rect">
+            <a:avLst/>
+          </a:prstGeom>
+          <a:noFill/>
+        </p:spPr>
+        <p:txBody>
+          <a:bodyPr wrap="square" rtlCol="0">
+            <a:spAutoFit/>
+          </a:bodyPr>
+          <a:lstStyle/>
+          <a:p>
+            <a:r>
+              <a:rPr lang="en-US" b="1" dirty="0" smtClean="0">
+                <a:solidFill>
+                  <a:schemeClr val="accent2"/>
+                </a:solidFill>
+              </a:rPr>
+              <a:t>Lists of uploading contents</a:t>
+            </a:r>
+          </a:p>
+          <a:p>
+            <a:r>
+              <a:rPr lang="en-US" dirty="0" smtClean="0">
+                <a:solidFill>
+                  <a:schemeClr val="accent2"/>
+                </a:solidFill>
+              </a:rPr>
+              <a:t>- Videos, transcripts, thumbnail  </a:t>
+            </a:r>
+          </a:p>
+          <a:p>
+            <a:r>
+              <a:rPr lang="en-US" dirty="0" smtClean="0">
+                <a:solidFill>
+                  <a:schemeClr val="accent2"/>
+                </a:solidFill>
+              </a:rPr>
+              <a:t>- Video info (name</a:t>
+            </a:r>
+            <a:r>
+              <a:rPr lang="en-US" dirty="0" smtClean="0">
+                <a:solidFill>
+                  <a:schemeClr val="accent2"/>
+                </a:solidFill>
+              </a:rPr>
+              <a:t>, description, etc</a:t>
+            </a:r>
+            <a:r>
+              <a:rPr lang="en-US" dirty="0" smtClean="0">
+                <a:solidFill>
+                  <a:schemeClr val="accent2"/>
+                </a:solidFill>
+              </a:rPr>
+              <a:t>.) </a:t>
+            </a:r>
+            <a:endParaRPr lang="en-US" dirty="0">
+              <a:solidFill>
+                <a:schemeClr val="accent2"/>
+              </a:solidFill>
+            </a:endParaRPr>
+          </a:p>
+        </p:txBody>
+      </p:sp>
+      <p:sp>
+        <p:nvSpPr>
+          <p:cNvPr id="59" name="TextBox 58"/>
+          <p:cNvSpPr txBox="1"/>
+          <p:nvPr/>
+        </p:nvSpPr>
+        <p:spPr>
+          <a:xfrm flipH="1">
+            <a:off x="6957635" y="845154"/>
+            <a:ext cx="1962288" cy="646331"/>
+          </a:xfrm>
+          <a:prstGeom prst="rect">
+            <a:avLst/>
+          </a:prstGeom>
+          <a:noFill/>
+        </p:spPr>
+        <p:txBody>
+          <a:bodyPr wrap="square" rtlCol="0">
+            <a:spAutoFit/>
+          </a:bodyPr>
+          <a:lstStyle/>
+          <a:p>
+            <a:pPr algn="ctr"/>
+            <a:r>
+              <a:rPr lang="en-US" dirty="0" smtClean="0"/>
+              <a:t>Output: return set of video URLs </a:t>
+            </a:r>
+            <a:endParaRPr lang="en-US" dirty="0"/>
+          </a:p>
+        </p:txBody>
+      </p:sp>
+      <p:sp>
+        <p:nvSpPr>
+          <p:cNvPr id="60" name="TextBox 59"/>
+          <p:cNvSpPr txBox="1"/>
+          <p:nvPr/>
+        </p:nvSpPr>
+        <p:spPr>
+          <a:xfrm flipH="1">
+            <a:off x="4465118" y="4026891"/>
+            <a:ext cx="2370934" cy="923330"/>
+          </a:xfrm>
+          <a:prstGeom prst="rect">
+            <a:avLst/>
+          </a:prstGeom>
+          <a:noFill/>
+        </p:spPr>
+        <p:txBody>
+          <a:bodyPr wrap="square" rtlCol="0">
+            <a:spAutoFit/>
+          </a:bodyPr>
+          <a:lstStyle/>
+          <a:p>
+            <a:r>
+              <a:rPr lang="en-US" dirty="0" smtClean="0"/>
+              <a:t>Tool’s output will be used to create video contents in </a:t>
+            </a:r>
+            <a:r>
+              <a:rPr lang="en-US" dirty="0" err="1" smtClean="0"/>
+              <a:t>edx.studio</a:t>
+            </a:r>
+            <a:endParaRPr lang="en-US" dirty="0"/>
+          </a:p>
+        </p:txBody>
+      </p:sp>
       <p:cxnSp>
         <p:nvCxnSpPr>
-          <p:cNvPr id="52" name="Elbow Connector 51"/>
+          <p:cNvPr id="25" name="Straight Arrow Connector 24"/>
           <p:cNvCxnSpPr>
             <a:stCxn id="1026" idx="3"/>
-            <a:endCxn id="8" idx="1"/>
           </p:cNvCxnSpPr>
           <p:nvPr/>
         </p:nvCxnSpPr>
         <p:spPr>
-          <a:xfrm flipV="1">
-            <a:off x="6235583" y="2348973"/>
-            <a:ext cx="714573" cy="3561"/>
-          </a:xfrm>
-          <a:prstGeom prst="bentConnector3">
-            <a:avLst>
-              <a:gd name="adj1" fmla="val 50000"/>
-            </a:avLst>
+          <a:xfrm>
+            <a:off x="6235583" y="1972976"/>
+            <a:ext cx="722052" cy="0"/>
+          </a:xfrm>
+          <a:prstGeom prst="straightConnector1">
+            <a:avLst/>
           </a:prstGeom>
           <a:ln w="38100">
             <a:tailEnd type="triangle"/>
@@ -15637,14 +15764,14 @@
       </p:cxnSp>
       <p:sp>
         <p:nvSpPr>
-          <p:cNvPr id="57" name="TextBox 56"/>
+          <p:cNvPr id="37" name="TextBox 36"/>
           <p:cNvSpPr txBox="1"/>
           <p:nvPr/>
         </p:nvSpPr>
         <p:spPr>
           <a:xfrm flipH="1">
-            <a:off x="3829945" y="2957123"/>
-            <a:ext cx="2937699" cy="923330"/>
+            <a:off x="4390809" y="987639"/>
+            <a:ext cx="3178815" cy="369332"/>
           </a:xfrm>
           <a:prstGeom prst="rect">
             <a:avLst/>
@@ -15663,88 +15790,13 @@
                   <a:schemeClr val="accent2"/>
                 </a:solidFill>
               </a:rPr>
-              <a:t>Batch upload to YouTube</a:t>
-            </a:r>
-          </a:p>
-          <a:p>
-            <a:r>
-              <a:rPr lang="en-US" dirty="0" smtClean="0">
-                <a:solidFill>
-                  <a:schemeClr val="accent2"/>
-                </a:solidFill>
-              </a:rPr>
-              <a:t>- name, description, etc. will be added automatically</a:t>
-            </a:r>
-            <a:endParaRPr lang="en-US" dirty="0">
+              <a:t>Automated task</a:t>
+            </a:r>
+            <a:endParaRPr lang="en-US" b="1" dirty="0" smtClean="0">
               <a:solidFill>
                 <a:schemeClr val="accent2"/>
               </a:solidFill>
             </a:endParaRPr>
-          </a:p>
-        </p:txBody>
-      </p:sp>
-      <p:sp>
-        <p:nvSpPr>
-          <p:cNvPr id="59" name="TextBox 58"/>
-          <p:cNvSpPr txBox="1"/>
-          <p:nvPr/>
-        </p:nvSpPr>
-        <p:spPr>
-          <a:xfrm flipH="1">
-            <a:off x="6957635" y="845154"/>
-            <a:ext cx="1962288" cy="646331"/>
-          </a:xfrm>
-          <a:prstGeom prst="rect">
-            <a:avLst/>
-          </a:prstGeom>
-          <a:noFill/>
-        </p:spPr>
-        <p:txBody>
-          <a:bodyPr wrap="square" rtlCol="0">
-            <a:spAutoFit/>
-          </a:bodyPr>
-          <a:lstStyle/>
-          <a:p>
-            <a:pPr algn="ctr"/>
-            <a:r>
-              <a:rPr lang="en-US" dirty="0" smtClean="0"/>
-              <a:t>Output: return set of video URLs </a:t>
-            </a:r>
-            <a:endParaRPr lang="en-US" dirty="0"/>
-          </a:p>
-        </p:txBody>
-      </p:sp>
-      <p:sp>
-        <p:nvSpPr>
-          <p:cNvPr id="60" name="TextBox 59"/>
-          <p:cNvSpPr txBox="1"/>
-          <p:nvPr/>
-        </p:nvSpPr>
-        <p:spPr>
-          <a:xfrm flipH="1">
-            <a:off x="4465118" y="4026891"/>
-            <a:ext cx="2370934" cy="923330"/>
-          </a:xfrm>
-          <a:prstGeom prst="rect">
-            <a:avLst/>
-          </a:prstGeom>
-          <a:noFill/>
-        </p:spPr>
-        <p:txBody>
-          <a:bodyPr wrap="square" rtlCol="0">
-            <a:spAutoFit/>
-          </a:bodyPr>
-          <a:lstStyle/>
-          <a:p>
-            <a:r>
-              <a:rPr lang="en-US" dirty="0" smtClean="0"/>
-              <a:t>Tool’s output will be used to create video contents in </a:t>
-            </a:r>
-            <a:r>
-              <a:rPr lang="en-US" dirty="0" err="1" smtClean="0"/>
-              <a:t>edx.studio</a:t>
-            </a:r>
-            <a:endParaRPr lang="en-US" dirty="0"/>
           </a:p>
         </p:txBody>
       </p:sp>
